--- a/Offline/BusinessManagement/Marketing/MarketingArtworks/Images&Resources/AnodiamOfflineIdea.pptx
+++ b/Offline/BusinessManagement/Marketing/MarketingArtworks/Images&Resources/AnodiamOfflineIdea.pptx
@@ -252,7 +252,7 @@
           <a:p>
             <a:fld id="{6C99A312-3916-48C2-B0D2-2FD7FE9477F2}" type="datetimeFigureOut">
               <a:rPr lang="en-AU" smtClean="0"/>
-              <a:t>28/07/2023</a:t>
+              <a:t>5/01/2024</a:t>
             </a:fld>
             <a:endParaRPr lang="en-AU"/>
           </a:p>
@@ -422,7 +422,7 @@
           <a:p>
             <a:fld id="{6C99A312-3916-48C2-B0D2-2FD7FE9477F2}" type="datetimeFigureOut">
               <a:rPr lang="en-AU" smtClean="0"/>
-              <a:t>28/07/2023</a:t>
+              <a:t>5/01/2024</a:t>
             </a:fld>
             <a:endParaRPr lang="en-AU"/>
           </a:p>
@@ -602,7 +602,7 @@
           <a:p>
             <a:fld id="{6C99A312-3916-48C2-B0D2-2FD7FE9477F2}" type="datetimeFigureOut">
               <a:rPr lang="en-AU" smtClean="0"/>
-              <a:t>28/07/2023</a:t>
+              <a:t>5/01/2024</a:t>
             </a:fld>
             <a:endParaRPr lang="en-AU"/>
           </a:p>
@@ -772,7 +772,7 @@
           <a:p>
             <a:fld id="{6C99A312-3916-48C2-B0D2-2FD7FE9477F2}" type="datetimeFigureOut">
               <a:rPr lang="en-AU" smtClean="0"/>
-              <a:t>28/07/2023</a:t>
+              <a:t>5/01/2024</a:t>
             </a:fld>
             <a:endParaRPr lang="en-AU"/>
           </a:p>
@@ -1018,7 +1018,7 @@
           <a:p>
             <a:fld id="{6C99A312-3916-48C2-B0D2-2FD7FE9477F2}" type="datetimeFigureOut">
               <a:rPr lang="en-AU" smtClean="0"/>
-              <a:t>28/07/2023</a:t>
+              <a:t>5/01/2024</a:t>
             </a:fld>
             <a:endParaRPr lang="en-AU"/>
           </a:p>
@@ -1250,7 +1250,7 @@
           <a:p>
             <a:fld id="{6C99A312-3916-48C2-B0D2-2FD7FE9477F2}" type="datetimeFigureOut">
               <a:rPr lang="en-AU" smtClean="0"/>
-              <a:t>28/07/2023</a:t>
+              <a:t>5/01/2024</a:t>
             </a:fld>
             <a:endParaRPr lang="en-AU"/>
           </a:p>
@@ -1617,7 +1617,7 @@
           <a:p>
             <a:fld id="{6C99A312-3916-48C2-B0D2-2FD7FE9477F2}" type="datetimeFigureOut">
               <a:rPr lang="en-AU" smtClean="0"/>
-              <a:t>28/07/2023</a:t>
+              <a:t>5/01/2024</a:t>
             </a:fld>
             <a:endParaRPr lang="en-AU"/>
           </a:p>
@@ -1735,7 +1735,7 @@
           <a:p>
             <a:fld id="{6C99A312-3916-48C2-B0D2-2FD7FE9477F2}" type="datetimeFigureOut">
               <a:rPr lang="en-AU" smtClean="0"/>
-              <a:t>28/07/2023</a:t>
+              <a:t>5/01/2024</a:t>
             </a:fld>
             <a:endParaRPr lang="en-AU"/>
           </a:p>
@@ -1830,7 +1830,7 @@
           <a:p>
             <a:fld id="{6C99A312-3916-48C2-B0D2-2FD7FE9477F2}" type="datetimeFigureOut">
               <a:rPr lang="en-AU" smtClean="0"/>
-              <a:t>28/07/2023</a:t>
+              <a:t>5/01/2024</a:t>
             </a:fld>
             <a:endParaRPr lang="en-AU"/>
           </a:p>
@@ -2107,7 +2107,7 @@
           <a:p>
             <a:fld id="{6C99A312-3916-48C2-B0D2-2FD7FE9477F2}" type="datetimeFigureOut">
               <a:rPr lang="en-AU" smtClean="0"/>
-              <a:t>28/07/2023</a:t>
+              <a:t>5/01/2024</a:t>
             </a:fld>
             <a:endParaRPr lang="en-AU"/>
           </a:p>
@@ -2360,7 +2360,7 @@
           <a:p>
             <a:fld id="{6C99A312-3916-48C2-B0D2-2FD7FE9477F2}" type="datetimeFigureOut">
               <a:rPr lang="en-AU" smtClean="0"/>
-              <a:t>28/07/2023</a:t>
+              <a:t>5/01/2024</a:t>
             </a:fld>
             <a:endParaRPr lang="en-AU"/>
           </a:p>
@@ -2573,7 +2573,7 @@
           <a:p>
             <a:fld id="{6C99A312-3916-48C2-B0D2-2FD7FE9477F2}" type="datetimeFigureOut">
               <a:rPr lang="en-AU" smtClean="0"/>
-              <a:t>28/07/2023</a:t>
+              <a:t>5/01/2024</a:t>
             </a:fld>
             <a:endParaRPr lang="en-AU"/>
           </a:p>
@@ -21507,6 +21507,418 @@
           </a:p>
         </p:txBody>
       </p:sp>
+      <p:sp>
+        <p:nvSpPr>
+          <p:cNvPr id="4" name="Freeform 15">
+            <a:extLst>
+              <a:ext uri="{FF2B5EF4-FFF2-40B4-BE49-F238E27FC236}">
+                <a16:creationId xmlns:a16="http://schemas.microsoft.com/office/drawing/2014/main" id="{AD6C008C-FF69-BD33-E5EF-440ADAF57A17}"/>
+              </a:ext>
+            </a:extLst>
+          </p:cNvPr>
+          <p:cNvSpPr/>
+          <p:nvPr/>
+        </p:nvSpPr>
+        <p:spPr>
+          <a:xfrm>
+            <a:off x="2383598" y="1215708"/>
+            <a:ext cx="4882896" cy="4882896"/>
+          </a:xfrm>
+          <a:custGeom>
+            <a:avLst/>
+            <a:gdLst>
+              <a:gd name="connsiteX0" fmla="*/ 1080000 w 2160000"/>
+              <a:gd name="connsiteY0" fmla="*/ 0 h 2160000"/>
+              <a:gd name="connsiteX1" fmla="*/ 2154424 w 2160000"/>
+              <a:gd name="connsiteY1" fmla="*/ 969576 h 2160000"/>
+              <a:gd name="connsiteX2" fmla="*/ 2157027 w 2160000"/>
+              <a:gd name="connsiteY2" fmla="*/ 1021127 h 2160000"/>
+              <a:gd name="connsiteX3" fmla="*/ 2159999 w 2160000"/>
+              <a:gd name="connsiteY3" fmla="*/ 1021127 h 2160000"/>
+              <a:gd name="connsiteX4" fmla="*/ 2159999 w 2160000"/>
+              <a:gd name="connsiteY4" fmla="*/ 1079980 h 2160000"/>
+              <a:gd name="connsiteX5" fmla="*/ 2160000 w 2160000"/>
+              <a:gd name="connsiteY5" fmla="*/ 1080000 h 2160000"/>
+              <a:gd name="connsiteX6" fmla="*/ 2159999 w 2160000"/>
+              <a:gd name="connsiteY6" fmla="*/ 1080021 h 2160000"/>
+              <a:gd name="connsiteX7" fmla="*/ 2159999 w 2160000"/>
+              <a:gd name="connsiteY7" fmla="*/ 1716639 h 2160000"/>
+              <a:gd name="connsiteX8" fmla="*/ 2157838 w 2160000"/>
+              <a:gd name="connsiteY8" fmla="*/ 1716639 h 2160000"/>
+              <a:gd name="connsiteX9" fmla="*/ 2160000 w 2160000"/>
+              <a:gd name="connsiteY9" fmla="*/ 1738544 h 2160000"/>
+              <a:gd name="connsiteX10" fmla="*/ 1891921 w 2160000"/>
+              <a:gd name="connsiteY10" fmla="*/ 2012333 h 2160000"/>
+              <a:gd name="connsiteX11" fmla="*/ 1623842 w 2160000"/>
+              <a:gd name="connsiteY11" fmla="*/ 1738544 h 2160000"/>
+              <a:gd name="connsiteX12" fmla="*/ 1626005 w 2160000"/>
+              <a:gd name="connsiteY12" fmla="*/ 1716639 h 2160000"/>
+              <a:gd name="connsiteX13" fmla="*/ 1620298 w 2160000"/>
+              <a:gd name="connsiteY13" fmla="*/ 1716639 h 2160000"/>
+              <a:gd name="connsiteX14" fmla="*/ 1620298 w 2160000"/>
+              <a:gd name="connsiteY14" fmla="*/ 1090950 h 2160000"/>
+              <a:gd name="connsiteX15" fmla="*/ 1618898 w 2160000"/>
+              <a:gd name="connsiteY15" fmla="*/ 1090937 h 2160000"/>
+              <a:gd name="connsiteX16" fmla="*/ 1620000 w 2160000"/>
+              <a:gd name="connsiteY16" fmla="*/ 1080000 h 2160000"/>
+              <a:gd name="connsiteX17" fmla="*/ 1080000 w 2160000"/>
+              <a:gd name="connsiteY17" fmla="*/ 540000 h 2160000"/>
+              <a:gd name="connsiteX18" fmla="*/ 540000 w 2160000"/>
+              <a:gd name="connsiteY18" fmla="*/ 1080000 h 2160000"/>
+              <a:gd name="connsiteX19" fmla="*/ 1080000 w 2160000"/>
+              <a:gd name="connsiteY19" fmla="*/ 1620000 h 2160000"/>
+              <a:gd name="connsiteX20" fmla="*/ 1172144 w 2160000"/>
+              <a:gd name="connsiteY20" fmla="*/ 1610711 h 2160000"/>
+              <a:gd name="connsiteX21" fmla="*/ 1192722 w 2160000"/>
+              <a:gd name="connsiteY21" fmla="*/ 1599542 h 2160000"/>
+              <a:gd name="connsiteX22" fmla="*/ 1205334 w 2160000"/>
+              <a:gd name="connsiteY22" fmla="*/ 1595627 h 2160000"/>
+              <a:gd name="connsiteX23" fmla="*/ 1218649 w 2160000"/>
+              <a:gd name="connsiteY23" fmla="*/ 1594482 h 2160000"/>
+              <a:gd name="connsiteX24" fmla="*/ 1273176 w 2160000"/>
+              <a:gd name="connsiteY24" fmla="*/ 1581875 h 2160000"/>
+              <a:gd name="connsiteX25" fmla="*/ 1277433 w 2160000"/>
+              <a:gd name="connsiteY25" fmla="*/ 1580379 h 2160000"/>
+              <a:gd name="connsiteX26" fmla="*/ 1297818 w 2160000"/>
+              <a:gd name="connsiteY26" fmla="*/ 1578324 h 2160000"/>
+              <a:gd name="connsiteX27" fmla="*/ 1567818 w 2160000"/>
+              <a:gd name="connsiteY27" fmla="*/ 1848324 h 2160000"/>
+              <a:gd name="connsiteX28" fmla="*/ 1469563 w 2160000"/>
+              <a:gd name="connsiteY28" fmla="*/ 2056669 h 2160000"/>
+              <a:gd name="connsiteX29" fmla="*/ 1412948 w 2160000"/>
+              <a:gd name="connsiteY29" fmla="*/ 2091019 h 2160000"/>
+              <a:gd name="connsiteX30" fmla="*/ 1398272 w 2160000"/>
+              <a:gd name="connsiteY30" fmla="*/ 2101498 h 2160000"/>
+              <a:gd name="connsiteX31" fmla="*/ 1374464 w 2160000"/>
+              <a:gd name="connsiteY31" fmla="*/ 2110955 h 2160000"/>
+              <a:gd name="connsiteX32" fmla="*/ 1376211 w 2160000"/>
+              <a:gd name="connsiteY32" fmla="*/ 2117860 h 2160000"/>
+              <a:gd name="connsiteX33" fmla="*/ 1321962 w 2160000"/>
+              <a:gd name="connsiteY33" fmla="*/ 2131809 h 2160000"/>
+              <a:gd name="connsiteX34" fmla="*/ 1306247 w 2160000"/>
+              <a:gd name="connsiteY34" fmla="*/ 2138051 h 2160000"/>
+              <a:gd name="connsiteX35" fmla="*/ 1267530 w 2160000"/>
+              <a:gd name="connsiteY35" fmla="*/ 2142656 h 2160000"/>
+              <a:gd name="connsiteX36" fmla="*/ 1190424 w 2160000"/>
+              <a:gd name="connsiteY36" fmla="*/ 2154424 h 2160000"/>
+              <a:gd name="connsiteX37" fmla="*/ 1080000 w 2160000"/>
+              <a:gd name="connsiteY37" fmla="*/ 2160000 h 2160000"/>
+              <a:gd name="connsiteX38" fmla="*/ 0 w 2160000"/>
+              <a:gd name="connsiteY38" fmla="*/ 1080000 h 2160000"/>
+              <a:gd name="connsiteX39" fmla="*/ 1080000 w 2160000"/>
+              <a:gd name="connsiteY39" fmla="*/ 0 h 2160000"/>
+            </a:gdLst>
+            <a:ahLst/>
+            <a:cxnLst>
+              <a:cxn ang="0">
+                <a:pos x="connsiteX0" y="connsiteY0"/>
+              </a:cxn>
+              <a:cxn ang="0">
+                <a:pos x="connsiteX1" y="connsiteY1"/>
+              </a:cxn>
+              <a:cxn ang="0">
+                <a:pos x="connsiteX2" y="connsiteY2"/>
+              </a:cxn>
+              <a:cxn ang="0">
+                <a:pos x="connsiteX3" y="connsiteY3"/>
+              </a:cxn>
+              <a:cxn ang="0">
+                <a:pos x="connsiteX4" y="connsiteY4"/>
+              </a:cxn>
+              <a:cxn ang="0">
+                <a:pos x="connsiteX5" y="connsiteY5"/>
+              </a:cxn>
+              <a:cxn ang="0">
+                <a:pos x="connsiteX6" y="connsiteY6"/>
+              </a:cxn>
+              <a:cxn ang="0">
+                <a:pos x="connsiteX7" y="connsiteY7"/>
+              </a:cxn>
+              <a:cxn ang="0">
+                <a:pos x="connsiteX8" y="connsiteY8"/>
+              </a:cxn>
+              <a:cxn ang="0">
+                <a:pos x="connsiteX9" y="connsiteY9"/>
+              </a:cxn>
+              <a:cxn ang="0">
+                <a:pos x="connsiteX10" y="connsiteY10"/>
+              </a:cxn>
+              <a:cxn ang="0">
+                <a:pos x="connsiteX11" y="connsiteY11"/>
+              </a:cxn>
+              <a:cxn ang="0">
+                <a:pos x="connsiteX12" y="connsiteY12"/>
+              </a:cxn>
+              <a:cxn ang="0">
+                <a:pos x="connsiteX13" y="connsiteY13"/>
+              </a:cxn>
+              <a:cxn ang="0">
+                <a:pos x="connsiteX14" y="connsiteY14"/>
+              </a:cxn>
+              <a:cxn ang="0">
+                <a:pos x="connsiteX15" y="connsiteY15"/>
+              </a:cxn>
+              <a:cxn ang="0">
+                <a:pos x="connsiteX16" y="connsiteY16"/>
+              </a:cxn>
+              <a:cxn ang="0">
+                <a:pos x="connsiteX17" y="connsiteY17"/>
+              </a:cxn>
+              <a:cxn ang="0">
+                <a:pos x="connsiteX18" y="connsiteY18"/>
+              </a:cxn>
+              <a:cxn ang="0">
+                <a:pos x="connsiteX19" y="connsiteY19"/>
+              </a:cxn>
+              <a:cxn ang="0">
+                <a:pos x="connsiteX20" y="connsiteY20"/>
+              </a:cxn>
+              <a:cxn ang="0">
+                <a:pos x="connsiteX21" y="connsiteY21"/>
+              </a:cxn>
+              <a:cxn ang="0">
+                <a:pos x="connsiteX22" y="connsiteY22"/>
+              </a:cxn>
+              <a:cxn ang="0">
+                <a:pos x="connsiteX23" y="connsiteY23"/>
+              </a:cxn>
+              <a:cxn ang="0">
+                <a:pos x="connsiteX24" y="connsiteY24"/>
+              </a:cxn>
+              <a:cxn ang="0">
+                <a:pos x="connsiteX25" y="connsiteY25"/>
+              </a:cxn>
+              <a:cxn ang="0">
+                <a:pos x="connsiteX26" y="connsiteY26"/>
+              </a:cxn>
+              <a:cxn ang="0">
+                <a:pos x="connsiteX27" y="connsiteY27"/>
+              </a:cxn>
+              <a:cxn ang="0">
+                <a:pos x="connsiteX28" y="connsiteY28"/>
+              </a:cxn>
+              <a:cxn ang="0">
+                <a:pos x="connsiteX29" y="connsiteY29"/>
+              </a:cxn>
+              <a:cxn ang="0">
+                <a:pos x="connsiteX30" y="connsiteY30"/>
+              </a:cxn>
+              <a:cxn ang="0">
+                <a:pos x="connsiteX31" y="connsiteY31"/>
+              </a:cxn>
+              <a:cxn ang="0">
+                <a:pos x="connsiteX32" y="connsiteY32"/>
+              </a:cxn>
+              <a:cxn ang="0">
+                <a:pos x="connsiteX33" y="connsiteY33"/>
+              </a:cxn>
+              <a:cxn ang="0">
+                <a:pos x="connsiteX34" y="connsiteY34"/>
+              </a:cxn>
+              <a:cxn ang="0">
+                <a:pos x="connsiteX35" y="connsiteY35"/>
+              </a:cxn>
+              <a:cxn ang="0">
+                <a:pos x="connsiteX36" y="connsiteY36"/>
+              </a:cxn>
+              <a:cxn ang="0">
+                <a:pos x="connsiteX37" y="connsiteY37"/>
+              </a:cxn>
+              <a:cxn ang="0">
+                <a:pos x="connsiteX38" y="connsiteY38"/>
+              </a:cxn>
+              <a:cxn ang="0">
+                <a:pos x="connsiteX39" y="connsiteY39"/>
+              </a:cxn>
+            </a:cxnLst>
+            <a:rect l="l" t="t" r="r" b="b"/>
+            <a:pathLst>
+              <a:path w="2160000" h="2160000">
+                <a:moveTo>
+                  <a:pt x="1080000" y="0"/>
+                </a:moveTo>
+                <a:cubicBezTo>
+                  <a:pt x="1639189" y="0"/>
+                  <a:pt x="2099117" y="424979"/>
+                  <a:pt x="2154424" y="969576"/>
+                </a:cubicBezTo>
+                <a:lnTo>
+                  <a:pt x="2157027" y="1021127"/>
+                </a:lnTo>
+                <a:lnTo>
+                  <a:pt x="2159999" y="1021127"/>
+                </a:lnTo>
+                <a:lnTo>
+                  <a:pt x="2159999" y="1079980"/>
+                </a:lnTo>
+                <a:lnTo>
+                  <a:pt x="2160000" y="1080000"/>
+                </a:lnTo>
+                <a:lnTo>
+                  <a:pt x="2159999" y="1080021"/>
+                </a:lnTo>
+                <a:lnTo>
+                  <a:pt x="2159999" y="1716639"/>
+                </a:lnTo>
+                <a:lnTo>
+                  <a:pt x="2157838" y="1716639"/>
+                </a:lnTo>
+                <a:lnTo>
+                  <a:pt x="2160000" y="1738544"/>
+                </a:lnTo>
+                <a:cubicBezTo>
+                  <a:pt x="2160000" y="1889753"/>
+                  <a:pt x="2039977" y="2012333"/>
+                  <a:pt x="1891921" y="2012333"/>
+                </a:cubicBezTo>
+                <a:cubicBezTo>
+                  <a:pt x="1743865" y="2012333"/>
+                  <a:pt x="1623842" y="1889753"/>
+                  <a:pt x="1623842" y="1738544"/>
+                </a:cubicBezTo>
+                <a:lnTo>
+                  <a:pt x="1626005" y="1716639"/>
+                </a:lnTo>
+                <a:lnTo>
+                  <a:pt x="1620298" y="1716639"/>
+                </a:lnTo>
+                <a:lnTo>
+                  <a:pt x="1620298" y="1090950"/>
+                </a:lnTo>
+                <a:lnTo>
+                  <a:pt x="1618898" y="1090937"/>
+                </a:lnTo>
+                <a:lnTo>
+                  <a:pt x="1620000" y="1080000"/>
+                </a:lnTo>
+                <a:cubicBezTo>
+                  <a:pt x="1620000" y="781766"/>
+                  <a:pt x="1378234" y="540000"/>
+                  <a:pt x="1080000" y="540000"/>
+                </a:cubicBezTo>
+                <a:cubicBezTo>
+                  <a:pt x="781766" y="540000"/>
+                  <a:pt x="540000" y="781766"/>
+                  <a:pt x="540000" y="1080000"/>
+                </a:cubicBezTo>
+                <a:cubicBezTo>
+                  <a:pt x="540000" y="1378234"/>
+                  <a:pt x="781766" y="1620000"/>
+                  <a:pt x="1080000" y="1620000"/>
+                </a:cubicBezTo>
+                <a:lnTo>
+                  <a:pt x="1172144" y="1610711"/>
+                </a:lnTo>
+                <a:lnTo>
+                  <a:pt x="1192722" y="1599542"/>
+                </a:lnTo>
+                <a:lnTo>
+                  <a:pt x="1205334" y="1595627"/>
+                </a:lnTo>
+                <a:lnTo>
+                  <a:pt x="1218649" y="1594482"/>
+                </a:lnTo>
+                <a:cubicBezTo>
+                  <a:pt x="1237851" y="1591023"/>
+                  <a:pt x="1256099" y="1586790"/>
+                  <a:pt x="1273176" y="1581875"/>
+                </a:cubicBezTo>
+                <a:lnTo>
+                  <a:pt x="1277433" y="1580379"/>
+                </a:lnTo>
+                <a:lnTo>
+                  <a:pt x="1297818" y="1578324"/>
+                </a:lnTo>
+                <a:cubicBezTo>
+                  <a:pt x="1446935" y="1578324"/>
+                  <a:pt x="1567818" y="1699207"/>
+                  <a:pt x="1567818" y="1848324"/>
+                </a:cubicBezTo>
+                <a:cubicBezTo>
+                  <a:pt x="1567818" y="1932202"/>
+                  <a:pt x="1529570" y="2007147"/>
+                  <a:pt x="1469563" y="2056669"/>
+                </a:cubicBezTo>
+                <a:lnTo>
+                  <a:pt x="1412948" y="2091019"/>
+                </a:lnTo>
+                <a:lnTo>
+                  <a:pt x="1398272" y="2101498"/>
+                </a:lnTo>
+                <a:lnTo>
+                  <a:pt x="1374464" y="2110955"/>
+                </a:lnTo>
+                <a:lnTo>
+                  <a:pt x="1376211" y="2117860"/>
+                </a:lnTo>
+                <a:lnTo>
+                  <a:pt x="1321962" y="2131809"/>
+                </a:lnTo>
+                <a:lnTo>
+                  <a:pt x="1306247" y="2138051"/>
+                </a:lnTo>
+                <a:lnTo>
+                  <a:pt x="1267530" y="2142656"/>
+                </a:lnTo>
+                <a:lnTo>
+                  <a:pt x="1190424" y="2154424"/>
+                </a:lnTo>
+                <a:cubicBezTo>
+                  <a:pt x="1154118" y="2158111"/>
+                  <a:pt x="1117280" y="2160000"/>
+                  <a:pt x="1080000" y="2160000"/>
+                </a:cubicBezTo>
+                <a:cubicBezTo>
+                  <a:pt x="483532" y="2160000"/>
+                  <a:pt x="0" y="1676468"/>
+                  <a:pt x="0" y="1080000"/>
+                </a:cubicBezTo>
+                <a:cubicBezTo>
+                  <a:pt x="0" y="483532"/>
+                  <a:pt x="483532" y="0"/>
+                  <a:pt x="1080000" y="0"/>
+                </a:cubicBezTo>
+                <a:close/>
+              </a:path>
+            </a:pathLst>
+          </a:custGeom>
+          <a:solidFill>
+            <a:srgbClr val="FF8C52"/>
+          </a:solidFill>
+          <a:ln>
+            <a:noFill/>
+          </a:ln>
+        </p:spPr>
+        <p:style>
+          <a:lnRef idx="2">
+            <a:schemeClr val="accent1">
+              <a:shade val="50000"/>
+            </a:schemeClr>
+          </a:lnRef>
+          <a:fillRef idx="1">
+            <a:schemeClr val="accent1"/>
+          </a:fillRef>
+          <a:effectRef idx="0">
+            <a:schemeClr val="accent1"/>
+          </a:effectRef>
+          <a:fontRef idx="minor">
+            <a:schemeClr val="lt1"/>
+          </a:fontRef>
+        </p:style>
+        <p:txBody>
+          <a:bodyPr rtlCol="0" anchor="ctr"/>
+          <a:lstStyle/>
+          <a:p>
+            <a:pPr algn="ctr"/>
+            <a:endParaRPr lang="en-AU">
+              <a:solidFill>
+                <a:schemeClr val="bg1"/>
+              </a:solidFill>
+              <a:latin typeface="Oxygen" panose="02000503000000000000" pitchFamily="2" charset="0"/>
+            </a:endParaRPr>
+          </a:p>
+        </p:txBody>
+      </p:sp>
     </p:spTree>
     <p:extLst>
       <p:ext uri="{BB962C8B-B14F-4D97-AF65-F5344CB8AC3E}">
